--- a/PAA ICT/PAA_Ecoli_RNN/dissertation/figures/Ecoli traditional models-1.pptx
+++ b/PAA ICT/PAA_Ecoli_RNN/dissertation/figures/Ecoli traditional models-1.pptx
@@ -208,7 +208,7 @@
           <a:p>
             <a:fld id="{8A15B1BE-F7FE-4540-BE0A-0FBAC632E2C8}" type="datetimeFigureOut">
               <a:rPr lang="en-US" smtClean="0"/>
-              <a:t>5/20/2020</a:t>
+              <a:t>5/23/2020</a:t>
             </a:fld>
             <a:endParaRPr lang="en-US"/>
           </a:p>
@@ -698,7 +698,7 @@
           <a:p>
             <a:fld id="{1D8BD707-D9CF-40AE-B4C6-C98DA3205C09}" type="datetimeFigureOut">
               <a:rPr lang="en-US"/>
-              <a:t>5/20/2020</a:t>
+              <a:t>5/23/2020</a:t>
             </a:fld>
             <a:endParaRPr lang="en-US"/>
           </a:p>
@@ -863,7 +863,7 @@
           <a:p>
             <a:fld id="{1D8BD707-D9CF-40AE-B4C6-C98DA3205C09}" type="datetimeFigureOut">
               <a:rPr lang="en-US"/>
-              <a:t>5/20/2020</a:t>
+              <a:t>5/23/2020</a:t>
             </a:fld>
             <a:endParaRPr lang="en-US"/>
           </a:p>
@@ -1071,7 +1071,7 @@
           <a:p>
             <a:fld id="{1D8BD707-D9CF-40AE-B4C6-C98DA3205C09}" type="datetimeFigureOut">
               <a:rPr lang="en-US"/>
-              <a:t>5/20/2020</a:t>
+              <a:t>5/23/2020</a:t>
             </a:fld>
             <a:endParaRPr lang="en-US"/>
           </a:p>
@@ -1213,7 +1213,7 @@
           <a:p>
             <a:fld id="{1D8BD707-D9CF-40AE-B4C6-C98DA3205C09}" type="datetimeFigureOut">
               <a:rPr lang="en-US"/>
-              <a:t>5/20/2020</a:t>
+              <a:t>5/23/2020</a:t>
             </a:fld>
             <a:endParaRPr lang="en-US"/>
           </a:p>
@@ -1332,7 +1332,7 @@
           <a:p>
             <a:fld id="{1D8BD707-D9CF-40AE-B4C6-C98DA3205C09}" type="datetimeFigureOut">
               <a:rPr lang="en-US"/>
-              <a:t>5/20/2020</a:t>
+              <a:t>5/23/2020</a:t>
             </a:fld>
             <a:endParaRPr lang="en-US"/>
           </a:p>
@@ -1545,7 +1545,7 @@
           <a:p>
             <a:fld id="{1D8BD707-D9CF-40AE-B4C6-C98DA3205C09}" type="datetimeFigureOut">
               <a:rPr lang="en-US"/>
-              <a:t>5/20/2020</a:t>
+              <a:t>5/23/2020</a:t>
             </a:fld>
             <a:endParaRPr lang="en-US"/>
           </a:p>
@@ -5081,8 +5081,8 @@
         </p:nvSpPr>
         <p:spPr>
           <a:xfrm>
-            <a:off x="331259" y="3276600"/>
-            <a:ext cx="342900" cy="45719"/>
+            <a:off x="24995" y="3158008"/>
+            <a:ext cx="182880" cy="45719"/>
           </a:xfrm>
           <a:custGeom>
             <a:avLst/>
@@ -5124,7 +5124,7 @@
         </p:nvSpPr>
         <p:spPr>
           <a:xfrm>
-            <a:off x="741987" y="3136650"/>
+            <a:off x="281535" y="3004967"/>
             <a:ext cx="3695396" cy="474489"/>
           </a:xfrm>
           <a:prstGeom prst="rect">
@@ -5231,8 +5231,8 @@
         </p:nvSpPr>
         <p:spPr>
           <a:xfrm>
-            <a:off x="331259" y="3505200"/>
-            <a:ext cx="342900" cy="45719"/>
+            <a:off x="24995" y="3379637"/>
+            <a:ext cx="182880" cy="45719"/>
           </a:xfrm>
           <a:custGeom>
             <a:avLst/>
@@ -5280,8 +5280,8 @@
         </p:nvSpPr>
         <p:spPr>
           <a:xfrm>
-            <a:off x="2320435" y="3281407"/>
-            <a:ext cx="342900" cy="45719"/>
+            <a:off x="1864869" y="3141620"/>
+            <a:ext cx="182880" cy="45719"/>
           </a:xfrm>
           <a:custGeom>
             <a:avLst/>
@@ -5329,8 +5329,8 @@
         </p:nvSpPr>
         <p:spPr>
           <a:xfrm>
-            <a:off x="2320435" y="3510007"/>
-            <a:ext cx="342900" cy="45719"/>
+            <a:off x="1864869" y="3365444"/>
+            <a:ext cx="182880" cy="45719"/>
           </a:xfrm>
           <a:custGeom>
             <a:avLst/>
@@ -5378,7 +5378,7 @@
         </p:nvSpPr>
         <p:spPr>
           <a:xfrm>
-            <a:off x="2728217" y="3129779"/>
+            <a:off x="2127760" y="3002873"/>
             <a:ext cx="3695396" cy="474489"/>
           </a:xfrm>
           <a:prstGeom prst="rect">
@@ -5452,18 +5452,18 @@
               </a:tabLst>
             </a:pPr>
             <a:r>
-              <a:rPr sz="1500" dirty="0" err="1">
+              <a:rPr lang="en-US" sz="1500" dirty="0">
                 <a:latin typeface="Times New Roman"/>
                 <a:cs typeface="Times New Roman"/>
               </a:rPr>
-              <a:t>Equ</a:t>
+              <a:t>Santoro et al., 2015 </a:t>
             </a:r>
             <a:r>
               <a:rPr sz="1500" dirty="0">
                 <a:latin typeface="Times New Roman"/>
                 <a:cs typeface="Times New Roman"/>
               </a:rPr>
-              <a:t> 5.3 (R</a:t>
+              <a:t>(R</a:t>
             </a:r>
             <a:r>
               <a:rPr sz="1500" baseline="30000" dirty="0">
